--- a/docs/assets/prezentacia.pptx
+++ b/docs/assets/prezentacia.pptx
@@ -394,7 +394,7 @@
           <a:p>
             <a:fld id="{AF239A9A-B4B0-4B32-B8CD-2E25E95134C4}" type="datetimeFigureOut">
               <a:rPr lang="en-US" dirty="0"/>
-              <a:t>5/11/2019</a:t>
+              <a:t>5/16/2019</a:t>
             </a:fld>
             <a:endParaRPr lang="en-US" dirty="0"/>
           </a:p>
@@ -803,7 +803,7 @@
           <a:p>
             <a:fld id="{F25518A9-B687-4302-9395-2322403C6656}" type="datetimeFigureOut">
               <a:rPr lang="en-US" dirty="0"/>
-              <a:t>5/11/2019</a:t>
+              <a:t>5/16/2019</a:t>
             </a:fld>
             <a:endParaRPr lang="en-US" dirty="0"/>
           </a:p>
@@ -1134,7 +1134,7 @@
           <a:p>
             <a:fld id="{1A99A684-0CB7-41E9-A4DF-5D1C2CA5BF6F}" type="datetimeFigureOut">
               <a:rPr lang="en-US" dirty="0"/>
-              <a:t>5/11/2019</a:t>
+              <a:t>5/16/2019</a:t>
             </a:fld>
             <a:endParaRPr lang="en-US" dirty="0"/>
           </a:p>
@@ -1534,7 +1534,7 @@
           <a:p>
             <a:fld id="{FEDD7C35-9E19-4518-A4B2-3B09CD8CC756}" type="datetimeFigureOut">
               <a:rPr lang="en-US" dirty="0"/>
-              <a:t>5/11/2019</a:t>
+              <a:t>5/16/2019</a:t>
             </a:fld>
             <a:endParaRPr lang="en-US" dirty="0"/>
           </a:p>
@@ -2097,7 +2097,7 @@
           <a:p>
             <a:fld id="{26196DA8-8897-4DDF-BFB6-5D83863C837A}" type="datetimeFigureOut">
               <a:rPr lang="en-US" dirty="0"/>
-              <a:t>5/11/2019</a:t>
+              <a:t>5/16/2019</a:t>
             </a:fld>
             <a:endParaRPr lang="en-US" dirty="0"/>
           </a:p>
@@ -2773,7 +2773,7 @@
           <a:p>
             <a:fld id="{DCBBA708-C5F0-412D-90E2-1919F0D196AE}" type="datetimeFigureOut">
               <a:rPr lang="en-US" dirty="0"/>
-              <a:t>5/11/2019</a:t>
+              <a:t>5/16/2019</a:t>
             </a:fld>
             <a:endParaRPr lang="en-US" dirty="0"/>
           </a:p>
@@ -3681,7 +3681,7 @@
           <a:p>
             <a:fld id="{A9C8F8FA-EF43-4642-9368-3F4E33039BD9}" type="datetimeFigureOut">
               <a:rPr lang="en-US" dirty="0"/>
-              <a:t>5/11/2019</a:t>
+              <a:t>5/16/2019</a:t>
             </a:fld>
             <a:endParaRPr lang="en-US" dirty="0"/>
           </a:p>
@@ -3989,7 +3989,7 @@
           <a:p>
             <a:fld id="{6B61E721-B01C-4D5D-A3CA-2E5518383F10}" type="datetimeFigureOut">
               <a:rPr lang="en-US" dirty="0"/>
-              <a:t>5/11/2019</a:t>
+              <a:t>5/16/2019</a:t>
             </a:fld>
             <a:endParaRPr lang="en-US" dirty="0"/>
           </a:p>
@@ -4248,7 +4248,7 @@
           <a:p>
             <a:fld id="{6513FEF9-69D0-4F8C-A336-59491FBEDC47}" type="datetimeFigureOut">
               <a:rPr lang="en-US" dirty="0"/>
-              <a:t>5/11/2019</a:t>
+              <a:t>5/16/2019</a:t>
             </a:fld>
             <a:endParaRPr lang="en-US" dirty="0"/>
           </a:p>
@@ -4585,7 +4585,7 @@
           <a:p>
             <a:fld id="{A91E21DC-8981-44E6-BC8C-2BA8F673FFBB}" type="datetimeFigureOut">
               <a:rPr lang="en-US" dirty="0"/>
-              <a:t>5/11/2019</a:t>
+              <a:t>5/16/2019</a:t>
             </a:fld>
             <a:endParaRPr lang="en-US" dirty="0"/>
           </a:p>
@@ -4969,7 +4969,7 @@
           <a:p>
             <a:fld id="{AEB9C5D3-0140-4E75-8D7F-C0623D06DFD7}" type="datetimeFigureOut">
               <a:rPr lang="en-US" dirty="0"/>
-              <a:t>5/11/2019</a:t>
+              <a:t>5/16/2019</a:t>
             </a:fld>
             <a:endParaRPr lang="en-US" dirty="0"/>
           </a:p>
@@ -5340,7 +5340,7 @@
           <a:p>
             <a:fld id="{3A5666F9-5B40-48E0-8DFD-99EF944CDD22}" type="datetimeFigureOut">
               <a:rPr lang="en-US" dirty="0"/>
-              <a:t>5/11/2019</a:t>
+              <a:t>5/16/2019</a:t>
             </a:fld>
             <a:endParaRPr lang="en-US" dirty="0"/>
           </a:p>
@@ -5841,7 +5841,7 @@
           <a:p>
             <a:fld id="{2A698D6B-2C72-4E21-9893-A649C6E2A47D}" type="datetimeFigureOut">
               <a:rPr lang="en-US" dirty="0"/>
-              <a:t>5/11/2019</a:t>
+              <a:t>5/16/2019</a:t>
             </a:fld>
             <a:endParaRPr lang="en-US" dirty="0"/>
           </a:p>
@@ -6093,7 +6093,7 @@
           <a:p>
             <a:fld id="{C86811C9-A66C-49F0-970E-F7B68D9109A0}" type="datetimeFigureOut">
               <a:rPr lang="en-US" dirty="0"/>
-              <a:t>5/11/2019</a:t>
+              <a:t>5/16/2019</a:t>
             </a:fld>
             <a:endParaRPr lang="en-US" dirty="0"/>
           </a:p>
@@ -6251,7 +6251,7 @@
           <a:p>
             <a:fld id="{6C01AE78-96A2-4A23-B183-3B6DB4374FE7}" type="datetimeFigureOut">
               <a:rPr lang="en-US" dirty="0"/>
-              <a:t>5/11/2019</a:t>
+              <a:t>5/16/2019</a:t>
             </a:fld>
             <a:endParaRPr lang="en-US" dirty="0"/>
           </a:p>
@@ -6636,7 +6636,7 @@
           <a:p>
             <a:fld id="{73AE0757-B101-4811-9189-10EB2F458E2D}" type="datetimeFigureOut">
               <a:rPr lang="en-US" dirty="0"/>
-              <a:t>5/11/2019</a:t>
+              <a:t>5/16/2019</a:t>
             </a:fld>
             <a:endParaRPr lang="en-US" dirty="0"/>
           </a:p>
@@ -7040,7 +7040,7 @@
           <a:p>
             <a:fld id="{7EBDC078-589F-40E3-816C-EE21D62B5BBA}" type="datetimeFigureOut">
               <a:rPr lang="en-US" dirty="0"/>
-              <a:t>5/11/2019</a:t>
+              <a:t>5/16/2019</a:t>
             </a:fld>
             <a:endParaRPr lang="en-US" dirty="0"/>
           </a:p>
@@ -7279,7 +7279,7 @@
           <a:p>
             <a:fld id="{C7004436-CA73-4D53-89B4-2A5C7347BF2F}" type="datetimeFigureOut">
               <a:rPr lang="en-US" dirty="0"/>
-              <a:t>5/11/2019</a:t>
+              <a:t>5/16/2019</a:t>
             </a:fld>
             <a:endParaRPr lang="en-US" dirty="0"/>
           </a:p>
@@ -7910,13 +7910,23 @@
             </a:pPr>
             <a:r>
               <a:rPr lang="sk-SK" dirty="0"/>
-              <a:t>Konzultant: </a:t>
-            </a:r>
-            <a:r>
-              <a:rPr lang="sv-SE" dirty="0"/>
-              <a:t>prof. Ing. Igor Farkaš, Dr.</a:t>
-            </a:r>
-            <a:endParaRPr lang="sk-SK" dirty="0"/>
+              <a:t>Konzultant: Mg</a:t>
+            </a:r>
+            <a:r>
+              <a:rPr lang="en-GB" dirty="0"/>
+              <a:t>r. </a:t>
+            </a:r>
+            <a:r>
+              <a:rPr lang="sk-SK" dirty="0"/>
+              <a:t>Ľubor </a:t>
+            </a:r>
+            <a:r>
+              <a:rPr lang="sk-SK" dirty="0" err="1"/>
+              <a:t>Illek</a:t>
+            </a:r>
+            <a:endParaRPr lang="sk-SK" dirty="0">
+              <a:effectLst/>
+            </a:endParaRPr>
           </a:p>
         </p:txBody>
       </p:sp>
@@ -8548,7 +8558,7 @@
             </a:pPr>
             <a:r>
               <a:rPr lang="sk-SK" sz="2000" dirty="0"/>
-              <a:t>heuristika – Euklidova vzdialenosť</a:t>
+              <a:t>heuristika – Euklidovská vzdialenosť</a:t>
             </a:r>
           </a:p>
           <a:p>
@@ -8613,18 +8623,6 @@
             <a:r>
               <a:rPr lang="sk-SK" sz="2000" dirty="0" err="1"/>
               <a:t>Δd</a:t>
-            </a:r>
-            <a:r>
-              <a:rPr lang="sk-SK" sz="2000" dirty="0"/>
-              <a:t>, </a:t>
-            </a:r>
-            <a:r>
-              <a:rPr lang="sk-SK" sz="2000" dirty="0" err="1"/>
-              <a:t>d</a:t>
-            </a:r>
-            <a:r>
-              <a:rPr lang="sk-SK" sz="2000" baseline="-25000" dirty="0" err="1"/>
-              <a:t>max</a:t>
             </a:r>
             <a:endParaRPr lang="sk-SK" sz="2000" dirty="0"/>
           </a:p>
@@ -9467,8 +9465,12 @@
               <a:buChar char="-"/>
             </a:pPr>
             <a:r>
+              <a:rPr lang="sk-SK" sz="2000" dirty="0" err="1"/>
+              <a:t>bounding</a:t>
+            </a:r>
+            <a:r>
               <a:rPr lang="sk-SK" sz="2000" dirty="0"/>
-              <a:t>dynamický graf opísaný tabuľkovou maticou</a:t>
+              <a:t> box</a:t>
             </a:r>
           </a:p>
           <a:p>
@@ -9478,15 +9480,7 @@
             </a:pPr>
             <a:r>
               <a:rPr lang="sk-SK" sz="2000" dirty="0"/>
-              <a:t>redukcia </a:t>
-            </a:r>
-            <a:r>
-              <a:rPr lang="sk-SK" sz="2000" dirty="0" err="1"/>
-              <a:t>prehľadávacieho</a:t>
-            </a:r>
-            <a:r>
-              <a:rPr lang="sk-SK" sz="2000" dirty="0"/>
-              <a:t> priestoru</a:t>
+              <a:t>dynamický graf opísaný tabuľkovou maticou</a:t>
             </a:r>
           </a:p>
           <a:p>
@@ -9495,29 +9489,21 @@
               <a:buChar char="-"/>
             </a:pPr>
             <a:r>
+              <a:rPr lang="sk-SK" sz="2000" dirty="0"/>
+              <a:t>redukcia </a:t>
+            </a:r>
+            <a:r>
               <a:rPr lang="sk-SK" sz="2000" dirty="0" err="1"/>
-              <a:t>bounding</a:t>
+              <a:t>prehľadávacieho</a:t>
             </a:r>
             <a:r>
               <a:rPr lang="sk-SK" sz="2000" dirty="0"/>
-              <a:t> box</a:t>
-            </a:r>
-          </a:p>
-          <a:p>
-            <a:pPr>
-              <a:buFontTx/>
-              <a:buChar char="-"/>
-            </a:pPr>
-            <a:r>
-              <a:rPr lang="sk-SK" sz="2000" dirty="0"/>
-              <a:t>alternatívne cesty</a:t>
-            </a:r>
-            <a:endParaRPr lang="sk-SK" sz="1400" dirty="0"/>
-          </a:p>
-          <a:p>
-            <a:pPr>
-              <a:buFontTx/>
-              <a:buChar char="-"/>
+              <a:t> priestoru</a:t>
+            </a:r>
+          </a:p>
+          <a:p>
+            <a:pPr marL="0" indent="0">
+              <a:buNone/>
             </a:pPr>
             <a:endParaRPr lang="sk-SK" sz="1800" dirty="0"/>
           </a:p>
@@ -10224,11 +10210,7 @@
                                           </p:stCondLst>
                                         </p:cTn>
                                         <p:tgtEl>
-                                          <p:spTgt spid="3">
-                                            <p:txEl>
-                                              <p:pRg st="7" end="7"/>
-                                            </p:txEl>
-                                          </p:spTgt>
+                                          <p:spTgt spid="11"/>
                                         </p:tgtEl>
                                         <p:attrNameLst>
                                           <p:attrName>style.visibility</p:attrName>
@@ -10241,63 +10223,6 @@
                                     <p:animEffect transition="in" filter="randombar(horizontal)">
                                       <p:cBhvr>
                                         <p:cTn id="53" dur="500"/>
-                                        <p:tgtEl>
-                                          <p:spTgt spid="3">
-                                            <p:txEl>
-                                              <p:pRg st="7" end="7"/>
-                                            </p:txEl>
-                                          </p:spTgt>
-                                        </p:tgtEl>
-                                      </p:cBhvr>
-                                    </p:animEffect>
-                                  </p:childTnLst>
-                                </p:cTn>
-                              </p:par>
-                            </p:childTnLst>
-                          </p:cTn>
-                        </p:par>
-                      </p:childTnLst>
-                    </p:cTn>
-                  </p:par>
-                  <p:par>
-                    <p:cTn id="54" fill="hold">
-                      <p:stCondLst>
-                        <p:cond delay="indefinite"/>
-                      </p:stCondLst>
-                      <p:childTnLst>
-                        <p:par>
-                          <p:cTn id="55" fill="hold">
-                            <p:stCondLst>
-                              <p:cond delay="0"/>
-                            </p:stCondLst>
-                            <p:childTnLst>
-                              <p:par>
-                                <p:cTn id="56" presetID="14" presetClass="entr" presetSubtype="10" fill="hold" grpId="0" nodeType="clickEffect">
-                                  <p:stCondLst>
-                                    <p:cond delay="0"/>
-                                  </p:stCondLst>
-                                  <p:childTnLst>
-                                    <p:set>
-                                      <p:cBhvr>
-                                        <p:cTn id="57" dur="1" fill="hold">
-                                          <p:stCondLst>
-                                            <p:cond delay="0"/>
-                                          </p:stCondLst>
-                                        </p:cTn>
-                                        <p:tgtEl>
-                                          <p:spTgt spid="11"/>
-                                        </p:tgtEl>
-                                        <p:attrNameLst>
-                                          <p:attrName>style.visibility</p:attrName>
-                                        </p:attrNameLst>
-                                      </p:cBhvr>
-                                      <p:to>
-                                        <p:strVal val="visible"/>
-                                      </p:to>
-                                    </p:set>
-                                    <p:animEffect transition="in" filter="randombar(horizontal)">
-                                      <p:cBhvr>
-                                        <p:cTn id="58" dur="500"/>
                                         <p:tgtEl>
                                           <p:spTgt spid="11"/>
                                         </p:tgtEl>
@@ -11675,20 +11600,6 @@
               <a:t>klient aktualizuje len určitú časť grafu</a:t>
             </a:r>
           </a:p>
-          <a:p>
-            <a:pPr>
-              <a:buFontTx/>
-              <a:buChar char="-"/>
-            </a:pPr>
-            <a:r>
-              <a:rPr lang="sk-SK" sz="2000" dirty="0" err="1"/>
-              <a:t>Dijkstrov</a:t>
-            </a:r>
-            <a:r>
-              <a:rPr lang="sk-SK" sz="2000" dirty="0"/>
-              <a:t> algoritmus</a:t>
-            </a:r>
-          </a:p>
         </p:txBody>
       </p:sp>
       <p:sp>
@@ -12418,7 +12329,7 @@
                             </p:stCondLst>
                             <p:childTnLst>
                               <p:par>
-                                <p:cTn id="56" presetID="14" presetClass="entr" presetSubtype="10" fill="hold" grpId="0" nodeType="clickEffect">
+                                <p:cTn id="56" presetID="14" presetClass="entr" presetSubtype="10" fill="hold" nodeType="clickEffect">
                                   <p:stCondLst>
                                     <p:cond delay="0"/>
                                   </p:stCondLst>
@@ -12426,67 +12337,6 @@
                                     <p:set>
                                       <p:cBhvr>
                                         <p:cTn id="57" dur="1" fill="hold">
-                                          <p:stCondLst>
-                                            <p:cond delay="0"/>
-                                          </p:stCondLst>
-                                        </p:cTn>
-                                        <p:tgtEl>
-                                          <p:spTgt spid="3">
-                                            <p:txEl>
-                                              <p:pRg st="9" end="9"/>
-                                            </p:txEl>
-                                          </p:spTgt>
-                                        </p:tgtEl>
-                                        <p:attrNameLst>
-                                          <p:attrName>style.visibility</p:attrName>
-                                        </p:attrNameLst>
-                                      </p:cBhvr>
-                                      <p:to>
-                                        <p:strVal val="visible"/>
-                                      </p:to>
-                                    </p:set>
-                                    <p:animEffect transition="in" filter="randombar(horizontal)">
-                                      <p:cBhvr>
-                                        <p:cTn id="58" dur="500"/>
-                                        <p:tgtEl>
-                                          <p:spTgt spid="3">
-                                            <p:txEl>
-                                              <p:pRg st="9" end="9"/>
-                                            </p:txEl>
-                                          </p:spTgt>
-                                        </p:tgtEl>
-                                      </p:cBhvr>
-                                    </p:animEffect>
-                                  </p:childTnLst>
-                                </p:cTn>
-                              </p:par>
-                            </p:childTnLst>
-                          </p:cTn>
-                        </p:par>
-                      </p:childTnLst>
-                    </p:cTn>
-                  </p:par>
-                  <p:par>
-                    <p:cTn id="59" fill="hold">
-                      <p:stCondLst>
-                        <p:cond delay="indefinite"/>
-                      </p:stCondLst>
-                      <p:childTnLst>
-                        <p:par>
-                          <p:cTn id="60" fill="hold">
-                            <p:stCondLst>
-                              <p:cond delay="0"/>
-                            </p:stCondLst>
-                            <p:childTnLst>
-                              <p:par>
-                                <p:cTn id="61" presetID="14" presetClass="entr" presetSubtype="10" fill="hold" nodeType="clickEffect">
-                                  <p:stCondLst>
-                                    <p:cond delay="0"/>
-                                  </p:stCondLst>
-                                  <p:childTnLst>
-                                    <p:set>
-                                      <p:cBhvr>
-                                        <p:cTn id="62" dur="1" fill="hold">
                                           <p:stCondLst>
                                             <p:cond delay="0"/>
                                           </p:stCondLst>
@@ -12508,7 +12358,7 @@
                                     </p:set>
                                     <p:animEffect transition="in" filter="randombar(horizontal)">
                                       <p:cBhvr>
-                                        <p:cTn id="63" dur="500"/>
+                                        <p:cTn id="58" dur="500"/>
                                         <p:tgtEl>
                                           <p:spTgt spid="8">
                                             <p:txEl>
@@ -13264,8 +13114,12 @@
               <a:t>uklidov</a:t>
             </a:r>
             <a:r>
+              <a:rPr lang="sk-SK" sz="2400" dirty="0" err="1"/>
+              <a:t>ská</a:t>
+            </a:r>
+            <a:r>
               <a:rPr lang="sk-SK" sz="2400" dirty="0"/>
-              <a:t>a vzdialenosť / priemerný čas módu</a:t>
+              <a:t> vzdialenosť / priemerný čas módu</a:t>
             </a:r>
           </a:p>
           <a:p>
